--- a/Презентация Калиновская МВ.pptx
+++ b/Презентация Калиновская МВ.pptx
@@ -202,7 +202,7 @@
             <a:fld id="{066CF63D-91A8-4CC0-91D5-C87D8F1DFC29}" type="datetimeFigureOut">
               <a:rPr lang="ru-RU" smtClean="0"/>
               <a:pPr/>
-              <a:t>27.04.2022</a:t>
+              <a:t>30.04.2022</a:t>
             </a:fld>
             <a:endParaRPr lang="ru-RU"/>
           </a:p>
@@ -439,7 +439,7 @@
             <a:fld id="{65A46160-79D7-494A-95F5-9EAD0A48793D}" type="datetimeFigureOut">
               <a:rPr lang="ru-RU" smtClean="0"/>
               <a:pPr/>
-              <a:t>27.04.2022</a:t>
+              <a:t>30.04.2022</a:t>
             </a:fld>
             <a:endParaRPr lang="ru-RU"/>
           </a:p>
@@ -855,7 +855,7 @@
             <a:fld id="{9658651C-A03D-483A-AD31-FFB9A9E60656}" type="datetime1">
               <a:rPr lang="ru-RU" smtClean="0"/>
               <a:pPr/>
-              <a:t>27.04.2022</a:t>
+              <a:t>30.04.2022</a:t>
             </a:fld>
             <a:endParaRPr lang="ru-RU"/>
           </a:p>
@@ -1055,7 +1055,7 @@
             <a:fld id="{5955C9F4-7AC2-4BD8-B778-8544D7F330C3}" type="datetime1">
               <a:rPr lang="ru-RU" smtClean="0"/>
               <a:pPr/>
-              <a:t>27.04.2022</a:t>
+              <a:t>30.04.2022</a:t>
             </a:fld>
             <a:endParaRPr lang="ru-RU"/>
           </a:p>
@@ -1265,7 +1265,7 @@
             <a:fld id="{B7776CB3-568E-47AE-B665-AD55DBA71C55}" type="datetime1">
               <a:rPr lang="ru-RU" smtClean="0"/>
               <a:pPr/>
-              <a:t>27.04.2022</a:t>
+              <a:t>30.04.2022</a:t>
             </a:fld>
             <a:endParaRPr lang="ru-RU"/>
           </a:p>
@@ -1469,7 +1469,7 @@
             <a:fld id="{E7B06DDE-E143-4868-A50B-28FE5874951D}" type="datetime1">
               <a:rPr lang="ru-RU" smtClean="0"/>
               <a:pPr/>
-              <a:t>27.04.2022</a:t>
+              <a:t>30.04.2022</a:t>
             </a:fld>
             <a:endParaRPr lang="ru-RU" dirty="0"/>
           </a:p>
@@ -2000,7 +2000,7 @@
             <a:fld id="{749AA4EB-9863-4FCB-B323-57E061AF94B9}" type="datetime1">
               <a:rPr lang="ru-RU" smtClean="0"/>
               <a:pPr/>
-              <a:t>27.04.2022</a:t>
+              <a:t>30.04.2022</a:t>
             </a:fld>
             <a:endParaRPr lang="ru-RU"/>
           </a:p>
@@ -2414,7 +2414,7 @@
             <a:fld id="{36673F30-1746-4E27-BD7E-CAC5D8B8E376}" type="datetime1">
               <a:rPr lang="ru-RU" smtClean="0"/>
               <a:pPr/>
-              <a:t>27.04.2022</a:t>
+              <a:t>30.04.2022</a:t>
             </a:fld>
             <a:endParaRPr lang="ru-RU"/>
           </a:p>
@@ -2557,7 +2557,7 @@
             <a:fld id="{39ADE716-9155-4F53-9A9F-155A557D8E17}" type="datetime1">
               <a:rPr lang="ru-RU" smtClean="0"/>
               <a:pPr/>
-              <a:t>27.04.2022</a:t>
+              <a:t>30.04.2022</a:t>
             </a:fld>
             <a:endParaRPr lang="ru-RU"/>
           </a:p>
@@ -2702,7 +2702,7 @@
             <a:fld id="{C59373DD-91CD-44C6-9B1E-07AB72EADE6C}" type="datetime1">
               <a:rPr lang="ru-RU" smtClean="0"/>
               <a:pPr/>
-              <a:t>27.04.2022</a:t>
+              <a:t>30.04.2022</a:t>
             </a:fld>
             <a:endParaRPr lang="ru-RU"/>
           </a:p>
@@ -3015,7 +3015,7 @@
             <a:fld id="{A5151A7D-8409-45F1-8ED7-153B2E9D050F}" type="datetime1">
               <a:rPr lang="ru-RU" smtClean="0"/>
               <a:pPr/>
-              <a:t>27.04.2022</a:t>
+              <a:t>30.04.2022</a:t>
             </a:fld>
             <a:endParaRPr lang="ru-RU"/>
           </a:p>
@@ -3305,7 +3305,7 @@
             <a:fld id="{5778FD68-1D9B-47CC-8E1F-9EFA7E2FCDE8}" type="datetime1">
               <a:rPr lang="ru-RU" smtClean="0"/>
               <a:pPr/>
-              <a:t>27.04.2022</a:t>
+              <a:t>30.04.2022</a:t>
             </a:fld>
             <a:endParaRPr lang="ru-RU"/>
           </a:p>
@@ -3548,7 +3548,7 @@
             <a:fld id="{1E593356-57D6-4C54-91C6-311A230C5506}" type="datetime1">
               <a:rPr lang="ru-RU" smtClean="0"/>
               <a:pPr/>
-              <a:t>27.04.2022</a:t>
+              <a:t>30.04.2022</a:t>
             </a:fld>
             <a:endParaRPr lang="ru-RU"/>
           </a:p>
@@ -4703,7 +4703,6 @@
             <a:r>
               <a:rPr lang="ru-RU" sz="1800" dirty="0">
                 <a:effectLst/>
-                <a:latin typeface="Times New Roman" panose="02020603050405020304" pitchFamily="18" charset="0"/>
                 <a:ea typeface="Arial" panose="020B0604020202020204" pitchFamily="34" charset="0"/>
                 <a:cs typeface="Arial" panose="020B0604020202020204" pitchFamily="34" charset="0"/>
               </a:rPr>
@@ -4715,7 +4714,6 @@
                 <a:highlight>
                   <a:srgbClr val="FFFF00"/>
                 </a:highlight>
-                <a:latin typeface="Times New Roman" panose="02020603050405020304" pitchFamily="18" charset="0"/>
                 <a:ea typeface="Arial" panose="020B0604020202020204" pitchFamily="34" charset="0"/>
                 <a:cs typeface="Arial" panose="020B0604020202020204" pitchFamily="34" charset="0"/>
               </a:rPr>
@@ -4732,7 +4730,6 @@
             </a:pPr>
             <a:r>
               <a:rPr lang="en-US" sz="1800" dirty="0">
-                <a:latin typeface="Times New Roman" panose="02020603050405020304" pitchFamily="18" charset="0"/>
                 <a:ea typeface="Arial" panose="020B0604020202020204" pitchFamily="34" charset="0"/>
                 <a:cs typeface="Arial" panose="020B0604020202020204" pitchFamily="34" charset="0"/>
               </a:rPr>
@@ -4741,7 +4738,6 @@
             <a:r>
               <a:rPr lang="ru-RU" sz="1800" dirty="0">
                 <a:effectLst/>
-                <a:latin typeface="Times New Roman" panose="02020603050405020304" pitchFamily="18" charset="0"/>
                 <a:ea typeface="Arial" panose="020B0604020202020204" pitchFamily="34" charset="0"/>
                 <a:cs typeface="Arial" panose="020B0604020202020204" pitchFamily="34" charset="0"/>
               </a:rPr>
@@ -4752,7 +4748,6 @@
                 <a:highlight>
                   <a:srgbClr val="FFFF00"/>
                 </a:highlight>
-                <a:latin typeface="Times New Roman" panose="02020603050405020304" pitchFamily="18" charset="0"/>
                 <a:ea typeface="Arial" panose="020B0604020202020204" pitchFamily="34" charset="0"/>
                 <a:cs typeface="Arial" panose="020B0604020202020204" pitchFamily="34" charset="0"/>
               </a:rPr>
@@ -4760,7 +4755,6 @@
             </a:r>
             <a:endParaRPr lang="en-US" sz="1800" b="1" dirty="0">
               <a:effectLst/>
-              <a:latin typeface="Times New Roman" panose="02020603050405020304" pitchFamily="18" charset="0"/>
               <a:ea typeface="Arial" panose="020B0604020202020204" pitchFamily="34" charset="0"/>
               <a:cs typeface="Arial" panose="020B0604020202020204" pitchFamily="34" charset="0"/>
             </a:endParaRPr>
@@ -4775,7 +4769,6 @@
             </a:pPr>
             <a:r>
               <a:rPr lang="en-US" sz="1800" dirty="0">
-                <a:latin typeface="Times New Roman" panose="02020603050405020304" pitchFamily="18" charset="0"/>
                 <a:ea typeface="Arial" panose="020B0604020202020204" pitchFamily="34" charset="0"/>
                 <a:cs typeface="Arial" panose="020B0604020202020204" pitchFamily="34" charset="0"/>
               </a:rPr>
@@ -4783,7 +4776,6 @@
             </a:r>
             <a:r>
               <a:rPr lang="ru-RU" sz="1800" dirty="0">
-                <a:latin typeface="Times New Roman" panose="02020603050405020304" pitchFamily="18" charset="0"/>
                 <a:ea typeface="Arial" panose="020B0604020202020204" pitchFamily="34" charset="0"/>
                 <a:cs typeface="Arial" panose="020B0604020202020204" pitchFamily="34" charset="0"/>
               </a:rPr>
@@ -4791,7 +4783,6 @@
             </a:r>
             <a:r>
               <a:rPr lang="ru-RU" sz="1800" dirty="0" err="1">
-                <a:latin typeface="Times New Roman" panose="02020603050405020304" pitchFamily="18" charset="0"/>
                 <a:ea typeface="Arial" panose="020B0604020202020204" pitchFamily="34" charset="0"/>
                 <a:cs typeface="Arial" panose="020B0604020202020204" pitchFamily="34" charset="0"/>
               </a:rPr>
@@ -4799,7 +4790,6 @@
             </a:r>
             <a:r>
               <a:rPr lang="ru-RU" sz="1800" dirty="0">
-                <a:latin typeface="Times New Roman" panose="02020603050405020304" pitchFamily="18" charset="0"/>
                 <a:ea typeface="Arial" panose="020B0604020202020204" pitchFamily="34" charset="0"/>
                 <a:cs typeface="Arial" panose="020B0604020202020204" pitchFamily="34" charset="0"/>
               </a:rPr>
@@ -4810,7 +4800,6 @@
                 <a:highlight>
                   <a:srgbClr val="00FF00"/>
                 </a:highlight>
-                <a:latin typeface="Times New Roman" panose="02020603050405020304" pitchFamily="18" charset="0"/>
                 <a:ea typeface="Arial" panose="020B0604020202020204" pitchFamily="34" charset="0"/>
                 <a:cs typeface="Arial" panose="020B0604020202020204" pitchFamily="34" charset="0"/>
               </a:rPr>
@@ -4821,7 +4810,6 @@
               <a:highlight>
                 <a:srgbClr val="00FF00"/>
               </a:highlight>
-              <a:latin typeface="Times New Roman" panose="02020603050405020304" pitchFamily="18" charset="0"/>
               <a:ea typeface="Arial" panose="020B0604020202020204" pitchFamily="34" charset="0"/>
               <a:cs typeface="Arial" panose="020B0604020202020204" pitchFamily="34" charset="0"/>
             </a:endParaRPr>
@@ -5991,13 +5979,14 @@
           </a:xfrm>
         </p:spPr>
         <p:txBody>
-          <a:bodyPr/>
+          <a:bodyPr>
+            <a:normAutofit fontScale="92500"/>
+          </a:bodyPr>
           <a:lstStyle/>
           <a:p>
             <a:r>
               <a:rPr lang="ru-RU" sz="1800" dirty="0">
                 <a:effectLst/>
-                <a:latin typeface="Times New Roman" panose="02020603050405020304" pitchFamily="18" charset="0"/>
                 <a:ea typeface="Arial" panose="020B0604020202020204" pitchFamily="34" charset="0"/>
                 <a:cs typeface="Arial" panose="020B0604020202020204" pitchFamily="34" charset="0"/>
               </a:rPr>
@@ -6005,7 +5994,6 @@
             </a:r>
             <a:endParaRPr lang="ru-RU" sz="1800" dirty="0">
               <a:effectLst/>
-              <a:latin typeface="Arial" panose="020B0604020202020204" pitchFamily="34" charset="0"/>
               <a:ea typeface="Arial" panose="020B0604020202020204" pitchFamily="34" charset="0"/>
             </a:endParaRPr>
           </a:p>
@@ -6039,7 +6027,7 @@
         </p:blipFill>
         <p:spPr>
           <a:xfrm>
-            <a:off x="800209" y="4044380"/>
+            <a:off x="853616" y="3397658"/>
             <a:ext cx="4742625" cy="948525"/>
           </a:xfrm>
           <a:prstGeom prst="rect">
@@ -6063,7 +6051,7 @@
         </p:nvSpPr>
         <p:spPr>
           <a:xfrm>
-            <a:off x="739555" y="3668713"/>
+            <a:off x="800209" y="3067597"/>
             <a:ext cx="7888070" cy="1116961"/>
           </a:xfrm>
           <a:prstGeom prst="rect">
@@ -6259,14 +6247,12 @@
           <a:p>
             <a:r>
               <a:rPr lang="ru-RU" sz="1800" dirty="0">
-                <a:latin typeface="Times New Roman" panose="02020603050405020304" pitchFamily="18" charset="0"/>
                 <a:ea typeface="Arial" panose="020B0604020202020204" pitchFamily="34" charset="0"/>
                 <a:cs typeface="Arial" panose="020B0604020202020204" pitchFamily="34" charset="0"/>
               </a:rPr>
               <a:t>Полученный результат:</a:t>
             </a:r>
             <a:endParaRPr lang="ru-RU" sz="1800" dirty="0">
-              <a:latin typeface="Arial" panose="020B0604020202020204" pitchFamily="34" charset="0"/>
               <a:ea typeface="Arial" panose="020B0604020202020204" pitchFamily="34" charset="0"/>
             </a:endParaRPr>
           </a:p>
@@ -6278,6 +6264,302 @@
           </a:p>
         </p:txBody>
       </p:sp>
+      <p:sp>
+        <p:nvSpPr>
+          <p:cNvPr id="2" name="TextBox 1">
+            <a:extLst>
+              <a:ext uri="{FF2B5EF4-FFF2-40B4-BE49-F238E27FC236}">
+                <a16:creationId xmlns:a16="http://schemas.microsoft.com/office/drawing/2014/main" id="{CA8372FB-B4DC-48C0-6D0B-57F90ED6DC45}"/>
+              </a:ext>
+            </a:extLst>
+          </p:cNvPr>
+          <p:cNvSpPr txBox="1"/>
+          <p:nvPr/>
+        </p:nvSpPr>
+        <p:spPr>
+          <a:xfrm>
+            <a:off x="828455" y="4416549"/>
+            <a:ext cx="7434705" cy="553998"/>
+          </a:xfrm>
+          <a:prstGeom prst="rect">
+            <a:avLst/>
+          </a:prstGeom>
+          <a:noFill/>
+        </p:spPr>
+        <p:txBody>
+          <a:bodyPr wrap="square" rtlCol="0">
+            <a:spAutoFit/>
+          </a:bodyPr>
+          <a:lstStyle/>
+          <a:p>
+            <a:endParaRPr lang="ru-RU" dirty="0"/>
+          </a:p>
+          <a:p>
+            <a:endParaRPr lang="ru-RU" dirty="0"/>
+          </a:p>
+        </p:txBody>
+      </p:sp>
+      <p:sp>
+        <p:nvSpPr>
+          <p:cNvPr id="13" name="Текст 3">
+            <a:extLst>
+              <a:ext uri="{FF2B5EF4-FFF2-40B4-BE49-F238E27FC236}">
+                <a16:creationId xmlns:a16="http://schemas.microsoft.com/office/drawing/2014/main" id="{4F015D11-AB4C-D180-69A4-0ECEC51E4ED3}"/>
+              </a:ext>
+            </a:extLst>
+          </p:cNvPr>
+          <p:cNvSpPr txBox="1">
+            <a:spLocks/>
+          </p:cNvSpPr>
+          <p:nvPr/>
+        </p:nvSpPr>
+        <p:spPr>
+          <a:xfrm>
+            <a:off x="853616" y="4412067"/>
+            <a:ext cx="7888070" cy="356762"/>
+          </a:xfrm>
+          <a:prstGeom prst="rect">
+            <a:avLst/>
+          </a:prstGeom>
+        </p:spPr>
+        <p:txBody>
+          <a:bodyPr vert="horz" lIns="76727" tIns="38364" rIns="76727" bIns="38364" rtlCol="0">
+            <a:normAutofit/>
+          </a:bodyPr>
+          <a:lstStyle>
+            <a:lvl1pPr marL="0" indent="0" algn="l" defTabSz="767273" rtl="0" eaLnBrk="1" latinLnBrk="0" hangingPunct="1">
+              <a:lnSpc>
+                <a:spcPct val="90000"/>
+              </a:lnSpc>
+              <a:spcBef>
+                <a:spcPts val="839"/>
+              </a:spcBef>
+              <a:buFont typeface="Arial" panose="020B0604020202020204" pitchFamily="34" charset="0"/>
+              <a:buNone/>
+              <a:defRPr sz="2000" kern="1200">
+                <a:solidFill>
+                  <a:schemeClr val="tx1">
+                    <a:tint val="75000"/>
+                  </a:schemeClr>
+                </a:solidFill>
+                <a:latin typeface="+mn-lt"/>
+                <a:ea typeface="+mn-ea"/>
+                <a:cs typeface="+mn-cs"/>
+              </a:defRPr>
+            </a:lvl1pPr>
+            <a:lvl2pPr marL="383637" indent="0" algn="l" defTabSz="767273" rtl="0" eaLnBrk="1" latinLnBrk="0" hangingPunct="1">
+              <a:lnSpc>
+                <a:spcPct val="90000"/>
+              </a:lnSpc>
+              <a:spcBef>
+                <a:spcPts val="420"/>
+              </a:spcBef>
+              <a:buFont typeface="Arial" panose="020B0604020202020204" pitchFamily="34" charset="0"/>
+              <a:buNone/>
+              <a:defRPr sz="1700" kern="1200">
+                <a:solidFill>
+                  <a:schemeClr val="tx1">
+                    <a:tint val="75000"/>
+                  </a:schemeClr>
+                </a:solidFill>
+                <a:latin typeface="+mn-lt"/>
+                <a:ea typeface="+mn-ea"/>
+                <a:cs typeface="+mn-cs"/>
+              </a:defRPr>
+            </a:lvl2pPr>
+            <a:lvl3pPr marL="767273" indent="0" algn="l" defTabSz="767273" rtl="0" eaLnBrk="1" latinLnBrk="0" hangingPunct="1">
+              <a:lnSpc>
+                <a:spcPct val="90000"/>
+              </a:lnSpc>
+              <a:spcBef>
+                <a:spcPts val="420"/>
+              </a:spcBef>
+              <a:buFont typeface="Arial" panose="020B0604020202020204" pitchFamily="34" charset="0"/>
+              <a:buNone/>
+              <a:defRPr sz="1500" kern="1200">
+                <a:solidFill>
+                  <a:schemeClr val="tx1">
+                    <a:tint val="75000"/>
+                  </a:schemeClr>
+                </a:solidFill>
+                <a:latin typeface="+mn-lt"/>
+                <a:ea typeface="+mn-ea"/>
+                <a:cs typeface="+mn-cs"/>
+              </a:defRPr>
+            </a:lvl3pPr>
+            <a:lvl4pPr marL="1150910" indent="0" algn="l" defTabSz="767273" rtl="0" eaLnBrk="1" latinLnBrk="0" hangingPunct="1">
+              <a:lnSpc>
+                <a:spcPct val="90000"/>
+              </a:lnSpc>
+              <a:spcBef>
+                <a:spcPts val="420"/>
+              </a:spcBef>
+              <a:buFont typeface="Arial" panose="020B0604020202020204" pitchFamily="34" charset="0"/>
+              <a:buNone/>
+              <a:defRPr sz="1300" kern="1200">
+                <a:solidFill>
+                  <a:schemeClr val="tx1">
+                    <a:tint val="75000"/>
+                  </a:schemeClr>
+                </a:solidFill>
+                <a:latin typeface="+mn-lt"/>
+                <a:ea typeface="+mn-ea"/>
+                <a:cs typeface="+mn-cs"/>
+              </a:defRPr>
+            </a:lvl4pPr>
+            <a:lvl5pPr marL="1534546" indent="0" algn="l" defTabSz="767273" rtl="0" eaLnBrk="1" latinLnBrk="0" hangingPunct="1">
+              <a:lnSpc>
+                <a:spcPct val="90000"/>
+              </a:lnSpc>
+              <a:spcBef>
+                <a:spcPts val="420"/>
+              </a:spcBef>
+              <a:buFont typeface="Arial" panose="020B0604020202020204" pitchFamily="34" charset="0"/>
+              <a:buNone/>
+              <a:defRPr sz="1300" kern="1200">
+                <a:solidFill>
+                  <a:schemeClr val="tx1">
+                    <a:tint val="75000"/>
+                  </a:schemeClr>
+                </a:solidFill>
+                <a:latin typeface="+mn-lt"/>
+                <a:ea typeface="+mn-ea"/>
+                <a:cs typeface="+mn-cs"/>
+              </a:defRPr>
+            </a:lvl5pPr>
+            <a:lvl6pPr marL="1918183" indent="0" algn="l" defTabSz="767273" rtl="0" eaLnBrk="1" latinLnBrk="0" hangingPunct="1">
+              <a:lnSpc>
+                <a:spcPct val="90000"/>
+              </a:lnSpc>
+              <a:spcBef>
+                <a:spcPts val="420"/>
+              </a:spcBef>
+              <a:buFont typeface="Arial" panose="020B0604020202020204" pitchFamily="34" charset="0"/>
+              <a:buNone/>
+              <a:defRPr sz="1300" kern="1200">
+                <a:solidFill>
+                  <a:schemeClr val="tx1">
+                    <a:tint val="75000"/>
+                  </a:schemeClr>
+                </a:solidFill>
+                <a:latin typeface="+mn-lt"/>
+                <a:ea typeface="+mn-ea"/>
+                <a:cs typeface="+mn-cs"/>
+              </a:defRPr>
+            </a:lvl6pPr>
+            <a:lvl7pPr marL="2301819" indent="0" algn="l" defTabSz="767273" rtl="0" eaLnBrk="1" latinLnBrk="0" hangingPunct="1">
+              <a:lnSpc>
+                <a:spcPct val="90000"/>
+              </a:lnSpc>
+              <a:spcBef>
+                <a:spcPts val="420"/>
+              </a:spcBef>
+              <a:buFont typeface="Arial" panose="020B0604020202020204" pitchFamily="34" charset="0"/>
+              <a:buNone/>
+              <a:defRPr sz="1300" kern="1200">
+                <a:solidFill>
+                  <a:schemeClr val="tx1">
+                    <a:tint val="75000"/>
+                  </a:schemeClr>
+                </a:solidFill>
+                <a:latin typeface="+mn-lt"/>
+                <a:ea typeface="+mn-ea"/>
+                <a:cs typeface="+mn-cs"/>
+              </a:defRPr>
+            </a:lvl7pPr>
+            <a:lvl8pPr marL="2685456" indent="0" algn="l" defTabSz="767273" rtl="0" eaLnBrk="1" latinLnBrk="0" hangingPunct="1">
+              <a:lnSpc>
+                <a:spcPct val="90000"/>
+              </a:lnSpc>
+              <a:spcBef>
+                <a:spcPts val="420"/>
+              </a:spcBef>
+              <a:buFont typeface="Arial" panose="020B0604020202020204" pitchFamily="34" charset="0"/>
+              <a:buNone/>
+              <a:defRPr sz="1300" kern="1200">
+                <a:solidFill>
+                  <a:schemeClr val="tx1">
+                    <a:tint val="75000"/>
+                  </a:schemeClr>
+                </a:solidFill>
+                <a:latin typeface="+mn-lt"/>
+                <a:ea typeface="+mn-ea"/>
+                <a:cs typeface="+mn-cs"/>
+              </a:defRPr>
+            </a:lvl8pPr>
+            <a:lvl9pPr marL="3069092" indent="0" algn="l" defTabSz="767273" rtl="0" eaLnBrk="1" latinLnBrk="0" hangingPunct="1">
+              <a:lnSpc>
+                <a:spcPct val="90000"/>
+              </a:lnSpc>
+              <a:spcBef>
+                <a:spcPts val="420"/>
+              </a:spcBef>
+              <a:buFont typeface="Arial" panose="020B0604020202020204" pitchFamily="34" charset="0"/>
+              <a:buNone/>
+              <a:defRPr sz="1300" kern="1200">
+                <a:solidFill>
+                  <a:schemeClr val="tx1">
+                    <a:tint val="75000"/>
+                  </a:schemeClr>
+                </a:solidFill>
+                <a:latin typeface="+mn-lt"/>
+                <a:ea typeface="+mn-ea"/>
+                <a:cs typeface="+mn-cs"/>
+              </a:defRPr>
+            </a:lvl9pPr>
+          </a:lstStyle>
+          <a:p>
+            <a:r>
+              <a:rPr lang="ru-RU" sz="1800" dirty="0">
+                <a:ea typeface="Arial" panose="020B0604020202020204" pitchFamily="34" charset="0"/>
+                <a:cs typeface="Arial" panose="020B0604020202020204" pitchFamily="34" charset="0"/>
+              </a:rPr>
+              <a:t>Базовая модель:</a:t>
+            </a:r>
+          </a:p>
+          <a:p>
+            <a:endParaRPr lang="ru-RU" sz="1800" dirty="0">
+              <a:ea typeface="Arial" panose="020B0604020202020204" pitchFamily="34" charset="0"/>
+            </a:endParaRPr>
+          </a:p>
+          <a:p>
+            <a:endParaRPr lang="ru-RU" dirty="0"/>
+          </a:p>
+          <a:p>
+            <a:endParaRPr lang="ru-RU" dirty="0"/>
+          </a:p>
+        </p:txBody>
+      </p:sp>
+      <p:pic>
+        <p:nvPicPr>
+          <p:cNvPr id="9" name="Рисунок 8">
+            <a:extLst>
+              <a:ext uri="{FF2B5EF4-FFF2-40B4-BE49-F238E27FC236}">
+                <a16:creationId xmlns:a16="http://schemas.microsoft.com/office/drawing/2014/main" id="{33C93641-D655-DEB5-34BF-793D1899183F}"/>
+              </a:ext>
+            </a:extLst>
+          </p:cNvPr>
+          <p:cNvPicPr>
+            <a:picLocks noChangeAspect="1"/>
+          </p:cNvPicPr>
+          <p:nvPr/>
+        </p:nvPicPr>
+        <p:blipFill>
+          <a:blip r:embed="rId3"/>
+          <a:stretch>
+            <a:fillRect/>
+          </a:stretch>
+        </p:blipFill>
+        <p:spPr>
+          <a:xfrm>
+            <a:off x="800209" y="4859896"/>
+            <a:ext cx="4800600" cy="381000"/>
+          </a:xfrm>
+          <a:prstGeom prst="rect">
+            <a:avLst/>
+          </a:prstGeom>
+        </p:spPr>
+      </p:pic>
     </p:spTree>
     <p:extLst>
       <p:ext uri="{BB962C8B-B14F-4D97-AF65-F5344CB8AC3E}">
@@ -7790,7 +8072,6 @@
           <a:p>
             <a:r>
               <a:rPr lang="ru-RU" sz="1800" b="1" dirty="0">
-                <a:latin typeface="Arial" panose="020B0604020202020204" pitchFamily="34" charset="0"/>
                 <a:cs typeface="Arial" panose="020B0604020202020204" pitchFamily="34" charset="0"/>
               </a:rPr>
               <a:t>Отсутствие пропусков</a:t>
@@ -7914,7 +8195,6 @@
           <a:p>
             <a:r>
               <a:rPr lang="ru-RU" sz="1800" b="1" dirty="0">
-                <a:latin typeface="Arial" panose="020B0604020202020204" pitchFamily="34" charset="0"/>
                 <a:cs typeface="Arial" panose="020B0604020202020204" pitchFamily="34" charset="0"/>
               </a:rPr>
               <a:t>Наличие выбросов</a:t>
@@ -8038,7 +8318,6 @@
           <a:p>
             <a:r>
               <a:rPr lang="ru-RU" sz="1800" b="1" dirty="0">
-                <a:latin typeface="Arial" panose="020B0604020202020204" pitchFamily="34" charset="0"/>
                 <a:cs typeface="Arial" panose="020B0604020202020204" pitchFamily="34" charset="0"/>
               </a:rPr>
               <a:t>«Угол нашивки» единственный параметр, имеющий дискретное распределения</a:t>
@@ -8162,7 +8441,6 @@
           <a:p>
             <a:r>
               <a:rPr lang="ru-RU" sz="1800" b="1" dirty="0">
-                <a:latin typeface="Arial" panose="020B0604020202020204" pitchFamily="34" charset="0"/>
                 <a:cs typeface="Arial" panose="020B0604020202020204" pitchFamily="34" charset="0"/>
               </a:rPr>
               <a:t>Низкая взаимосвязь между переменными</a:t>
@@ -10126,7 +10404,7 @@
         </p:spPr>
         <p:txBody>
           <a:bodyPr>
-            <a:normAutofit/>
+            <a:normAutofit lnSpcReduction="10000"/>
           </a:bodyPr>
           <a:lstStyle/>
           <a:p>
@@ -10138,7 +10416,6 @@
             <a:r>
               <a:rPr lang="ru-RU" sz="1800" dirty="0">
                 <a:effectLst/>
-                <a:latin typeface="Times New Roman" panose="02020603050405020304" pitchFamily="18" charset="0"/>
                 <a:ea typeface="Arial" panose="020B0604020202020204" pitchFamily="34" charset="0"/>
                 <a:cs typeface="Arial" panose="020B0604020202020204" pitchFamily="34" charset="0"/>
               </a:rPr>
@@ -10150,7 +10427,6 @@
                 <a:highlight>
                   <a:srgbClr val="00FF00"/>
                 </a:highlight>
-                <a:latin typeface="Times New Roman" panose="02020603050405020304" pitchFamily="18" charset="0"/>
                 <a:ea typeface="Arial" panose="020B0604020202020204" pitchFamily="34" charset="0"/>
                 <a:cs typeface="Arial" panose="020B0604020202020204" pitchFamily="34" charset="0"/>
               </a:rPr>
@@ -10162,7 +10438,6 @@
                 <a:highlight>
                   <a:srgbClr val="00FF00"/>
                 </a:highlight>
-                <a:latin typeface="Times New Roman" panose="02020603050405020304" pitchFamily="18" charset="0"/>
                 <a:ea typeface="Arial" panose="020B0604020202020204" pitchFamily="34" charset="0"/>
                 <a:cs typeface="Arial" panose="020B0604020202020204" pitchFamily="34" charset="0"/>
               </a:rPr>
@@ -10371,7 +10646,6 @@
             <a:r>
               <a:rPr lang="ru-RU" sz="1800" dirty="0">
                 <a:effectLst/>
-                <a:latin typeface="Times New Roman" panose="02020603050405020304" pitchFamily="18" charset="0"/>
                 <a:ea typeface="Arial" panose="020B0604020202020204" pitchFamily="34" charset="0"/>
                 <a:cs typeface="Arial" panose="020B0604020202020204" pitchFamily="34" charset="0"/>
               </a:rPr>
@@ -10383,7 +10657,6 @@
                 <a:highlight>
                   <a:srgbClr val="00FF00"/>
                 </a:highlight>
-                <a:latin typeface="Times New Roman" panose="02020603050405020304" pitchFamily="18" charset="0"/>
                 <a:ea typeface="Arial" panose="020B0604020202020204" pitchFamily="34" charset="0"/>
                 <a:cs typeface="Arial" panose="020B0604020202020204" pitchFamily="34" charset="0"/>
               </a:rPr>
@@ -10400,7 +10673,6 @@
             </a:pPr>
             <a:r>
               <a:rPr lang="en-US" sz="1800" dirty="0">
-                <a:latin typeface="Times New Roman" panose="02020603050405020304" pitchFamily="18" charset="0"/>
                 <a:ea typeface="Arial" panose="020B0604020202020204" pitchFamily="34" charset="0"/>
                 <a:cs typeface="Arial" panose="020B0604020202020204" pitchFamily="34" charset="0"/>
               </a:rPr>
@@ -10409,7 +10681,6 @@
             <a:r>
               <a:rPr lang="ru-RU" sz="1800" dirty="0">
                 <a:effectLst/>
-                <a:latin typeface="Times New Roman" panose="02020603050405020304" pitchFamily="18" charset="0"/>
                 <a:ea typeface="Arial" panose="020B0604020202020204" pitchFamily="34" charset="0"/>
                 <a:cs typeface="Arial" panose="020B0604020202020204" pitchFamily="34" charset="0"/>
               </a:rPr>
@@ -10420,7 +10691,6 @@
                 <a:highlight>
                   <a:srgbClr val="FFFF00"/>
                 </a:highlight>
-                <a:latin typeface="Times New Roman" panose="02020603050405020304" pitchFamily="18" charset="0"/>
                 <a:ea typeface="Arial" panose="020B0604020202020204" pitchFamily="34" charset="0"/>
                 <a:cs typeface="Arial" panose="020B0604020202020204" pitchFamily="34" charset="0"/>
               </a:rPr>
@@ -10429,7 +10699,6 @@
             <a:r>
               <a:rPr lang="ru-RU" sz="1800" b="1" dirty="0">
                 <a:effectLst/>
-                <a:latin typeface="Times New Roman" panose="02020603050405020304" pitchFamily="18" charset="0"/>
                 <a:ea typeface="Arial" panose="020B0604020202020204" pitchFamily="34" charset="0"/>
                 <a:cs typeface="Arial" panose="020B0604020202020204" pitchFamily="34" charset="0"/>
               </a:rPr>
@@ -10437,7 +10706,6 @@
             </a:r>
             <a:endParaRPr lang="en-US" sz="1800" b="1" dirty="0">
               <a:effectLst/>
-              <a:latin typeface="Times New Roman" panose="02020603050405020304" pitchFamily="18" charset="0"/>
               <a:ea typeface="Arial" panose="020B0604020202020204" pitchFamily="34" charset="0"/>
               <a:cs typeface="Arial" panose="020B0604020202020204" pitchFamily="34" charset="0"/>
             </a:endParaRPr>
@@ -10452,7 +10720,6 @@
             </a:pPr>
             <a:r>
               <a:rPr lang="en-US" sz="1800" dirty="0">
-                <a:latin typeface="Times New Roman" panose="02020603050405020304" pitchFamily="18" charset="0"/>
                 <a:ea typeface="Arial" panose="020B0604020202020204" pitchFamily="34" charset="0"/>
                 <a:cs typeface="Arial" panose="020B0604020202020204" pitchFamily="34" charset="0"/>
               </a:rPr>
@@ -10460,7 +10727,6 @@
             </a:r>
             <a:r>
               <a:rPr lang="ru-RU" sz="1800" dirty="0">
-                <a:latin typeface="Times New Roman" panose="02020603050405020304" pitchFamily="18" charset="0"/>
                 <a:ea typeface="Arial" panose="020B0604020202020204" pitchFamily="34" charset="0"/>
                 <a:cs typeface="Arial" panose="020B0604020202020204" pitchFamily="34" charset="0"/>
               </a:rPr>
@@ -10468,7 +10734,6 @@
             </a:r>
             <a:r>
               <a:rPr lang="ru-RU" sz="1800" dirty="0" err="1">
-                <a:latin typeface="Times New Roman" panose="02020603050405020304" pitchFamily="18" charset="0"/>
                 <a:ea typeface="Arial" panose="020B0604020202020204" pitchFamily="34" charset="0"/>
                 <a:cs typeface="Arial" panose="020B0604020202020204" pitchFamily="34" charset="0"/>
               </a:rPr>
@@ -10476,7 +10741,6 @@
             </a:r>
             <a:r>
               <a:rPr lang="ru-RU" sz="1800" dirty="0">
-                <a:latin typeface="Times New Roman" panose="02020603050405020304" pitchFamily="18" charset="0"/>
                 <a:ea typeface="Arial" panose="020B0604020202020204" pitchFamily="34" charset="0"/>
                 <a:cs typeface="Arial" panose="020B0604020202020204" pitchFamily="34" charset="0"/>
               </a:rPr>
@@ -10487,7 +10751,6 @@
                 <a:highlight>
                   <a:srgbClr val="FFFF00"/>
                 </a:highlight>
-                <a:latin typeface="Times New Roman" panose="02020603050405020304" pitchFamily="18" charset="0"/>
                 <a:ea typeface="Arial" panose="020B0604020202020204" pitchFamily="34" charset="0"/>
                 <a:cs typeface="Arial" panose="020B0604020202020204" pitchFamily="34" charset="0"/>
               </a:rPr>
@@ -10498,7 +10761,6 @@
               <a:highlight>
                 <a:srgbClr val="FFFF00"/>
               </a:highlight>
-              <a:latin typeface="Times New Roman" panose="02020603050405020304" pitchFamily="18" charset="0"/>
               <a:ea typeface="Arial" panose="020B0604020202020204" pitchFamily="34" charset="0"/>
               <a:cs typeface="Arial" panose="020B0604020202020204" pitchFamily="34" charset="0"/>
             </a:endParaRPr>
@@ -10671,7 +10933,7 @@
         </p:spPr>
         <p:txBody>
           <a:bodyPr>
-            <a:normAutofit/>
+            <a:normAutofit lnSpcReduction="10000"/>
           </a:bodyPr>
           <a:lstStyle/>
           <a:p>
@@ -10683,7 +10945,6 @@
             <a:r>
               <a:rPr lang="ru-RU" sz="1800" dirty="0">
                 <a:effectLst/>
-                <a:latin typeface="Times New Roman" panose="02020603050405020304" pitchFamily="18" charset="0"/>
                 <a:ea typeface="Arial" panose="020B0604020202020204" pitchFamily="34" charset="0"/>
                 <a:cs typeface="Arial" panose="020B0604020202020204" pitchFamily="34" charset="0"/>
               </a:rPr>
@@ -10695,7 +10956,6 @@
                 <a:highlight>
                   <a:srgbClr val="00FF00"/>
                 </a:highlight>
-                <a:latin typeface="Times New Roman" panose="02020603050405020304" pitchFamily="18" charset="0"/>
                 <a:ea typeface="Arial" panose="020B0604020202020204" pitchFamily="34" charset="0"/>
                 <a:cs typeface="Arial" panose="020B0604020202020204" pitchFamily="34" charset="0"/>
               </a:rPr>
@@ -10707,7 +10967,6 @@
                 <a:highlight>
                   <a:srgbClr val="00FF00"/>
                 </a:highlight>
-                <a:latin typeface="Times New Roman" panose="02020603050405020304" pitchFamily="18" charset="0"/>
                 <a:ea typeface="Arial" panose="020B0604020202020204" pitchFamily="34" charset="0"/>
                 <a:cs typeface="Arial" panose="020B0604020202020204" pitchFamily="34" charset="0"/>
               </a:rPr>
